--- a/ppt 16-9/1160.荣美家乡.pptx
+++ b/ppt 16-9/1160.荣美家乡.pptx
@@ -5,7 +5,7 @@
     <p:sldMasterId id="2147483648" r:id="rId1"/>
   </p:sldMasterIdLst>
   <p:sldIdLst>
-    <p:sldId id="658" r:id="rId2"/>
+    <p:sldId id="661" r:id="rId2"/>
   </p:sldIdLst>
   <p:sldSz cx="12192000" cy="6858000"/>
   <p:notesSz cx="6858000" cy="9144000"/>
@@ -129,7 +129,7 @@
           <p:cNvPr id="2" name="标题 1">
             <a:extLst>
               <a:ext uri="{FF2B5EF4-FFF2-40B4-BE49-F238E27FC236}">
-                <a16:creationId xmlns:a16="http://schemas.microsoft.com/office/drawing/2014/main" id="{F7BD56AB-A5EE-65C7-746C-4C0EAEC2AF36}"/>
+                <a16:creationId xmlns:a16="http://schemas.microsoft.com/office/drawing/2014/main" id="{9CE155F3-F3C2-1187-39E9-AB6AC69D3BA2}"/>
               </a:ext>
             </a:extLst>
           </p:cNvPr>
@@ -166,7 +166,7 @@
           <p:cNvPr id="3" name="副标题 2">
             <a:extLst>
               <a:ext uri="{FF2B5EF4-FFF2-40B4-BE49-F238E27FC236}">
-                <a16:creationId xmlns:a16="http://schemas.microsoft.com/office/drawing/2014/main" id="{BBCCA260-B20B-AD0E-289C-FFD4FAE61C72}"/>
+                <a16:creationId xmlns:a16="http://schemas.microsoft.com/office/drawing/2014/main" id="{F75A82A2-FBA9-7FC8-D4C1-EA1128783A2D}"/>
               </a:ext>
             </a:extLst>
           </p:cNvPr>
@@ -236,7 +236,7 @@
           <p:cNvPr id="4" name="日期占位符 3">
             <a:extLst>
               <a:ext uri="{FF2B5EF4-FFF2-40B4-BE49-F238E27FC236}">
-                <a16:creationId xmlns:a16="http://schemas.microsoft.com/office/drawing/2014/main" id="{1B1C09F9-3F35-3E7E-0390-8E292A6F8E8E}"/>
+                <a16:creationId xmlns:a16="http://schemas.microsoft.com/office/drawing/2014/main" id="{2ABE6A12-A618-E4D5-6D96-3656BCDB5C67}"/>
               </a:ext>
             </a:extLst>
           </p:cNvPr>
@@ -252,7 +252,7 @@
           <a:bodyPr/>
           <a:lstStyle/>
           <a:p>
-            <a:fld id="{5D05796B-F92D-446E-AD2A-B3D1AAF44936}" type="datetimeFigureOut">
+            <a:fld id="{F4C37BBA-6BCA-4401-91C5-8C8C4B9A87DC}" type="datetimeFigureOut">
               <a:rPr lang="zh-CN" altLang="en-US" smtClean="0"/>
               <a:t>2024/3/10</a:t>
             </a:fld>
@@ -265,7 +265,7 @@
           <p:cNvPr id="5" name="页脚占位符 4">
             <a:extLst>
               <a:ext uri="{FF2B5EF4-FFF2-40B4-BE49-F238E27FC236}">
-                <a16:creationId xmlns:a16="http://schemas.microsoft.com/office/drawing/2014/main" id="{469C6859-A4AC-6256-8411-3D2C2A7EC868}"/>
+                <a16:creationId xmlns:a16="http://schemas.microsoft.com/office/drawing/2014/main" id="{F70A0A9E-470B-D96D-087D-F5A624F0713B}"/>
               </a:ext>
             </a:extLst>
           </p:cNvPr>
@@ -290,7 +290,7 @@
           <p:cNvPr id="6" name="灯片编号占位符 5">
             <a:extLst>
               <a:ext uri="{FF2B5EF4-FFF2-40B4-BE49-F238E27FC236}">
-                <a16:creationId xmlns:a16="http://schemas.microsoft.com/office/drawing/2014/main" id="{171898B3-AFDF-351B-925A-D3C9176042D4}"/>
+                <a16:creationId xmlns:a16="http://schemas.microsoft.com/office/drawing/2014/main" id="{17826B9C-DCE3-F00A-1F52-05D9D24F4FBB}"/>
               </a:ext>
             </a:extLst>
           </p:cNvPr>
@@ -306,7 +306,7 @@
           <a:bodyPr/>
           <a:lstStyle/>
           <a:p>
-            <a:fld id="{7FDF3934-63D4-4FE0-BFE6-954D8EE0D31F}" type="slidenum">
+            <a:fld id="{230BC296-A7E9-4E96-ABDF-697742981764}" type="slidenum">
               <a:rPr lang="zh-CN" altLang="en-US" smtClean="0"/>
               <a:t>‹#›</a:t>
             </a:fld>
@@ -317,7 +317,7 @@
     </p:spTree>
     <p:extLst>
       <p:ext uri="{BB962C8B-B14F-4D97-AF65-F5344CB8AC3E}">
-        <p14:creationId xmlns:p14="http://schemas.microsoft.com/office/powerpoint/2010/main" val="3614590187"/>
+        <p14:creationId xmlns:p14="http://schemas.microsoft.com/office/powerpoint/2010/main" val="3211784944"/>
       </p:ext>
     </p:extLst>
   </p:cSld>
@@ -349,7 +349,7 @@
           <p:cNvPr id="2" name="标题 1">
             <a:extLst>
               <a:ext uri="{FF2B5EF4-FFF2-40B4-BE49-F238E27FC236}">
-                <a16:creationId xmlns:a16="http://schemas.microsoft.com/office/drawing/2014/main" id="{838941EA-3660-58C9-8BE6-C2A08C71B7A6}"/>
+                <a16:creationId xmlns:a16="http://schemas.microsoft.com/office/drawing/2014/main" id="{FD1EED68-9A43-8B16-4B00-F98F7B06E056}"/>
               </a:ext>
             </a:extLst>
           </p:cNvPr>
@@ -377,7 +377,7 @@
           <p:cNvPr id="3" name="竖排文字占位符 2">
             <a:extLst>
               <a:ext uri="{FF2B5EF4-FFF2-40B4-BE49-F238E27FC236}">
-                <a16:creationId xmlns:a16="http://schemas.microsoft.com/office/drawing/2014/main" id="{9124A595-7A66-A064-4332-74BFD676BEC3}"/>
+                <a16:creationId xmlns:a16="http://schemas.microsoft.com/office/drawing/2014/main" id="{6063E2FA-840B-0F89-D30E-E91044FBEC12}"/>
               </a:ext>
             </a:extLst>
           </p:cNvPr>
@@ -434,7 +434,7 @@
           <p:cNvPr id="4" name="日期占位符 3">
             <a:extLst>
               <a:ext uri="{FF2B5EF4-FFF2-40B4-BE49-F238E27FC236}">
-                <a16:creationId xmlns:a16="http://schemas.microsoft.com/office/drawing/2014/main" id="{F0F4CA73-404E-8F83-A679-77983113A8DE}"/>
+                <a16:creationId xmlns:a16="http://schemas.microsoft.com/office/drawing/2014/main" id="{7FB50501-05AE-50F4-9E05-021E6E69419D}"/>
               </a:ext>
             </a:extLst>
           </p:cNvPr>
@@ -450,7 +450,7 @@
           <a:bodyPr/>
           <a:lstStyle/>
           <a:p>
-            <a:fld id="{5D05796B-F92D-446E-AD2A-B3D1AAF44936}" type="datetimeFigureOut">
+            <a:fld id="{F4C37BBA-6BCA-4401-91C5-8C8C4B9A87DC}" type="datetimeFigureOut">
               <a:rPr lang="zh-CN" altLang="en-US" smtClean="0"/>
               <a:t>2024/3/10</a:t>
             </a:fld>
@@ -463,7 +463,7 @@
           <p:cNvPr id="5" name="页脚占位符 4">
             <a:extLst>
               <a:ext uri="{FF2B5EF4-FFF2-40B4-BE49-F238E27FC236}">
-                <a16:creationId xmlns:a16="http://schemas.microsoft.com/office/drawing/2014/main" id="{2B66DC06-7C5C-3961-E920-C1F711DDB78A}"/>
+                <a16:creationId xmlns:a16="http://schemas.microsoft.com/office/drawing/2014/main" id="{60FF8C29-916F-3E87-CAEF-2A4341D393FF}"/>
               </a:ext>
             </a:extLst>
           </p:cNvPr>
@@ -488,7 +488,7 @@
           <p:cNvPr id="6" name="灯片编号占位符 5">
             <a:extLst>
               <a:ext uri="{FF2B5EF4-FFF2-40B4-BE49-F238E27FC236}">
-                <a16:creationId xmlns:a16="http://schemas.microsoft.com/office/drawing/2014/main" id="{045FC67D-1918-A850-C492-6B7A644400E6}"/>
+                <a16:creationId xmlns:a16="http://schemas.microsoft.com/office/drawing/2014/main" id="{07A8A3BD-237D-6713-17C1-C5685C397D52}"/>
               </a:ext>
             </a:extLst>
           </p:cNvPr>
@@ -504,7 +504,7 @@
           <a:bodyPr/>
           <a:lstStyle/>
           <a:p>
-            <a:fld id="{7FDF3934-63D4-4FE0-BFE6-954D8EE0D31F}" type="slidenum">
+            <a:fld id="{230BC296-A7E9-4E96-ABDF-697742981764}" type="slidenum">
               <a:rPr lang="zh-CN" altLang="en-US" smtClean="0"/>
               <a:t>‹#›</a:t>
             </a:fld>
@@ -515,7 +515,7 @@
     </p:spTree>
     <p:extLst>
       <p:ext uri="{BB962C8B-B14F-4D97-AF65-F5344CB8AC3E}">
-        <p14:creationId xmlns:p14="http://schemas.microsoft.com/office/powerpoint/2010/main" val="774681987"/>
+        <p14:creationId xmlns:p14="http://schemas.microsoft.com/office/powerpoint/2010/main" val="216617717"/>
       </p:ext>
     </p:extLst>
   </p:cSld>
@@ -547,7 +547,7 @@
           <p:cNvPr id="2" name="竖排标题 1">
             <a:extLst>
               <a:ext uri="{FF2B5EF4-FFF2-40B4-BE49-F238E27FC236}">
-                <a16:creationId xmlns:a16="http://schemas.microsoft.com/office/drawing/2014/main" id="{3A0E5EF0-B890-8C72-2BDC-9997144F7464}"/>
+                <a16:creationId xmlns:a16="http://schemas.microsoft.com/office/drawing/2014/main" id="{BEB890AD-6954-9A26-F13B-807BC9615DA1}"/>
               </a:ext>
             </a:extLst>
           </p:cNvPr>
@@ -580,7 +580,7 @@
           <p:cNvPr id="3" name="竖排文字占位符 2">
             <a:extLst>
               <a:ext uri="{FF2B5EF4-FFF2-40B4-BE49-F238E27FC236}">
-                <a16:creationId xmlns:a16="http://schemas.microsoft.com/office/drawing/2014/main" id="{25B27F32-8844-2C7D-A227-9019B419DFDB}"/>
+                <a16:creationId xmlns:a16="http://schemas.microsoft.com/office/drawing/2014/main" id="{1826801C-AF5D-5DC7-0CB1-0F59D77FD0CB}"/>
               </a:ext>
             </a:extLst>
           </p:cNvPr>
@@ -642,7 +642,7 @@
           <p:cNvPr id="4" name="日期占位符 3">
             <a:extLst>
               <a:ext uri="{FF2B5EF4-FFF2-40B4-BE49-F238E27FC236}">
-                <a16:creationId xmlns:a16="http://schemas.microsoft.com/office/drawing/2014/main" id="{2707DADB-A383-ADC4-A08F-52817A2DA0D2}"/>
+                <a16:creationId xmlns:a16="http://schemas.microsoft.com/office/drawing/2014/main" id="{1603B33D-D6AA-89C6-AAC3-824AE733E52C}"/>
               </a:ext>
             </a:extLst>
           </p:cNvPr>
@@ -658,7 +658,7 @@
           <a:bodyPr/>
           <a:lstStyle/>
           <a:p>
-            <a:fld id="{5D05796B-F92D-446E-AD2A-B3D1AAF44936}" type="datetimeFigureOut">
+            <a:fld id="{F4C37BBA-6BCA-4401-91C5-8C8C4B9A87DC}" type="datetimeFigureOut">
               <a:rPr lang="zh-CN" altLang="en-US" smtClean="0"/>
               <a:t>2024/3/10</a:t>
             </a:fld>
@@ -671,7 +671,7 @@
           <p:cNvPr id="5" name="页脚占位符 4">
             <a:extLst>
               <a:ext uri="{FF2B5EF4-FFF2-40B4-BE49-F238E27FC236}">
-                <a16:creationId xmlns:a16="http://schemas.microsoft.com/office/drawing/2014/main" id="{AD4D56BB-0853-AD2F-1C86-7852F70D9BE8}"/>
+                <a16:creationId xmlns:a16="http://schemas.microsoft.com/office/drawing/2014/main" id="{C7452771-F096-B24B-4462-A87FD751C705}"/>
               </a:ext>
             </a:extLst>
           </p:cNvPr>
@@ -696,7 +696,7 @@
           <p:cNvPr id="6" name="灯片编号占位符 5">
             <a:extLst>
               <a:ext uri="{FF2B5EF4-FFF2-40B4-BE49-F238E27FC236}">
-                <a16:creationId xmlns:a16="http://schemas.microsoft.com/office/drawing/2014/main" id="{795DDDEB-715A-3AB2-5EE7-E5B19A97C310}"/>
+                <a16:creationId xmlns:a16="http://schemas.microsoft.com/office/drawing/2014/main" id="{503F7444-F5E2-7E83-88C0-1B2E13F24FC9}"/>
               </a:ext>
             </a:extLst>
           </p:cNvPr>
@@ -712,7 +712,7 @@
           <a:bodyPr/>
           <a:lstStyle/>
           <a:p>
-            <a:fld id="{7FDF3934-63D4-4FE0-BFE6-954D8EE0D31F}" type="slidenum">
+            <a:fld id="{230BC296-A7E9-4E96-ABDF-697742981764}" type="slidenum">
               <a:rPr lang="zh-CN" altLang="en-US" smtClean="0"/>
               <a:t>‹#›</a:t>
             </a:fld>
@@ -723,7 +723,7 @@
     </p:spTree>
     <p:extLst>
       <p:ext uri="{BB962C8B-B14F-4D97-AF65-F5344CB8AC3E}">
-        <p14:creationId xmlns:p14="http://schemas.microsoft.com/office/powerpoint/2010/main" val="3874337860"/>
+        <p14:creationId xmlns:p14="http://schemas.microsoft.com/office/powerpoint/2010/main" val="2172333722"/>
       </p:ext>
     </p:extLst>
   </p:cSld>
@@ -755,7 +755,7 @@
           <p:cNvPr id="2" name="标题 1">
             <a:extLst>
               <a:ext uri="{FF2B5EF4-FFF2-40B4-BE49-F238E27FC236}">
-                <a16:creationId xmlns:a16="http://schemas.microsoft.com/office/drawing/2014/main" id="{A4AA629B-8D26-BB0D-0B99-3B2ADBBAF173}"/>
+                <a16:creationId xmlns:a16="http://schemas.microsoft.com/office/drawing/2014/main" id="{43E325CA-D685-53BD-B8BC-B96C57BD1872}"/>
               </a:ext>
             </a:extLst>
           </p:cNvPr>
@@ -783,7 +783,7 @@
           <p:cNvPr id="3" name="内容占位符 2">
             <a:extLst>
               <a:ext uri="{FF2B5EF4-FFF2-40B4-BE49-F238E27FC236}">
-                <a16:creationId xmlns:a16="http://schemas.microsoft.com/office/drawing/2014/main" id="{84CA3C2D-0D74-1992-DB32-22E3BCD96595}"/>
+                <a16:creationId xmlns:a16="http://schemas.microsoft.com/office/drawing/2014/main" id="{F6369D04-A894-B60D-2740-4EAFB2D6FDBB}"/>
               </a:ext>
             </a:extLst>
           </p:cNvPr>
@@ -840,7 +840,7 @@
           <p:cNvPr id="4" name="日期占位符 3">
             <a:extLst>
               <a:ext uri="{FF2B5EF4-FFF2-40B4-BE49-F238E27FC236}">
-                <a16:creationId xmlns:a16="http://schemas.microsoft.com/office/drawing/2014/main" id="{EC16A00B-16A1-0D92-DAF6-364197C65DCE}"/>
+                <a16:creationId xmlns:a16="http://schemas.microsoft.com/office/drawing/2014/main" id="{6E653309-01C7-8F71-AD5C-E3C71ACB1070}"/>
               </a:ext>
             </a:extLst>
           </p:cNvPr>
@@ -856,7 +856,7 @@
           <a:bodyPr/>
           <a:lstStyle/>
           <a:p>
-            <a:fld id="{5D05796B-F92D-446E-AD2A-B3D1AAF44936}" type="datetimeFigureOut">
+            <a:fld id="{F4C37BBA-6BCA-4401-91C5-8C8C4B9A87DC}" type="datetimeFigureOut">
               <a:rPr lang="zh-CN" altLang="en-US" smtClean="0"/>
               <a:t>2024/3/10</a:t>
             </a:fld>
@@ -869,7 +869,7 @@
           <p:cNvPr id="5" name="页脚占位符 4">
             <a:extLst>
               <a:ext uri="{FF2B5EF4-FFF2-40B4-BE49-F238E27FC236}">
-                <a16:creationId xmlns:a16="http://schemas.microsoft.com/office/drawing/2014/main" id="{93D264C4-943F-4D05-A945-40C38D4EF3A1}"/>
+                <a16:creationId xmlns:a16="http://schemas.microsoft.com/office/drawing/2014/main" id="{4E0D2CAF-FABB-2BB8-CEFE-7E5125BDDAB0}"/>
               </a:ext>
             </a:extLst>
           </p:cNvPr>
@@ -894,7 +894,7 @@
           <p:cNvPr id="6" name="灯片编号占位符 5">
             <a:extLst>
               <a:ext uri="{FF2B5EF4-FFF2-40B4-BE49-F238E27FC236}">
-                <a16:creationId xmlns:a16="http://schemas.microsoft.com/office/drawing/2014/main" id="{654193BB-9DBA-A898-BCFE-681A1651DD8D}"/>
+                <a16:creationId xmlns:a16="http://schemas.microsoft.com/office/drawing/2014/main" id="{89BA9421-EF30-5499-ADFC-E9C9FCADED3C}"/>
               </a:ext>
             </a:extLst>
           </p:cNvPr>
@@ -910,7 +910,7 @@
           <a:bodyPr/>
           <a:lstStyle/>
           <a:p>
-            <a:fld id="{7FDF3934-63D4-4FE0-BFE6-954D8EE0D31F}" type="slidenum">
+            <a:fld id="{230BC296-A7E9-4E96-ABDF-697742981764}" type="slidenum">
               <a:rPr lang="zh-CN" altLang="en-US" smtClean="0"/>
               <a:t>‹#›</a:t>
             </a:fld>
@@ -921,7 +921,7 @@
     </p:spTree>
     <p:extLst>
       <p:ext uri="{BB962C8B-B14F-4D97-AF65-F5344CB8AC3E}">
-        <p14:creationId xmlns:p14="http://schemas.microsoft.com/office/powerpoint/2010/main" val="3830789284"/>
+        <p14:creationId xmlns:p14="http://schemas.microsoft.com/office/powerpoint/2010/main" val="3810670704"/>
       </p:ext>
     </p:extLst>
   </p:cSld>
@@ -953,7 +953,7 @@
           <p:cNvPr id="2" name="标题 1">
             <a:extLst>
               <a:ext uri="{FF2B5EF4-FFF2-40B4-BE49-F238E27FC236}">
-                <a16:creationId xmlns:a16="http://schemas.microsoft.com/office/drawing/2014/main" id="{2E0B4AEA-4A16-A19F-DC32-4A9D9D7836EA}"/>
+                <a16:creationId xmlns:a16="http://schemas.microsoft.com/office/drawing/2014/main" id="{3F83B305-D5FF-9E04-2A69-4521178F1B84}"/>
               </a:ext>
             </a:extLst>
           </p:cNvPr>
@@ -990,7 +990,7 @@
           <p:cNvPr id="3" name="文本占位符 2">
             <a:extLst>
               <a:ext uri="{FF2B5EF4-FFF2-40B4-BE49-F238E27FC236}">
-                <a16:creationId xmlns:a16="http://schemas.microsoft.com/office/drawing/2014/main" id="{ADE9E4EE-59EF-1507-0A35-13053A503B2F}"/>
+                <a16:creationId xmlns:a16="http://schemas.microsoft.com/office/drawing/2014/main" id="{1420B3CD-798A-79B2-8E4F-36FE68AFAA52}"/>
               </a:ext>
             </a:extLst>
           </p:cNvPr>
@@ -1115,7 +1115,7 @@
           <p:cNvPr id="4" name="日期占位符 3">
             <a:extLst>
               <a:ext uri="{FF2B5EF4-FFF2-40B4-BE49-F238E27FC236}">
-                <a16:creationId xmlns:a16="http://schemas.microsoft.com/office/drawing/2014/main" id="{B30F7C3B-C226-21E4-8085-8E32FCFBFF83}"/>
+                <a16:creationId xmlns:a16="http://schemas.microsoft.com/office/drawing/2014/main" id="{D4DF555F-7408-FD7F-4C2E-21DAA7CEB108}"/>
               </a:ext>
             </a:extLst>
           </p:cNvPr>
@@ -1131,7 +1131,7 @@
           <a:bodyPr/>
           <a:lstStyle/>
           <a:p>
-            <a:fld id="{5D05796B-F92D-446E-AD2A-B3D1AAF44936}" type="datetimeFigureOut">
+            <a:fld id="{F4C37BBA-6BCA-4401-91C5-8C8C4B9A87DC}" type="datetimeFigureOut">
               <a:rPr lang="zh-CN" altLang="en-US" smtClean="0"/>
               <a:t>2024/3/10</a:t>
             </a:fld>
@@ -1144,7 +1144,7 @@
           <p:cNvPr id="5" name="页脚占位符 4">
             <a:extLst>
               <a:ext uri="{FF2B5EF4-FFF2-40B4-BE49-F238E27FC236}">
-                <a16:creationId xmlns:a16="http://schemas.microsoft.com/office/drawing/2014/main" id="{2D573B2D-14C6-7DB8-EA03-063C4FF23329}"/>
+                <a16:creationId xmlns:a16="http://schemas.microsoft.com/office/drawing/2014/main" id="{4D4E9400-6633-D2AD-7149-7B62C23A55B0}"/>
               </a:ext>
             </a:extLst>
           </p:cNvPr>
@@ -1169,7 +1169,7 @@
           <p:cNvPr id="6" name="灯片编号占位符 5">
             <a:extLst>
               <a:ext uri="{FF2B5EF4-FFF2-40B4-BE49-F238E27FC236}">
-                <a16:creationId xmlns:a16="http://schemas.microsoft.com/office/drawing/2014/main" id="{8892AD5E-833F-5081-0DFC-234108CCFFAE}"/>
+                <a16:creationId xmlns:a16="http://schemas.microsoft.com/office/drawing/2014/main" id="{76270C13-65DF-B977-83CD-AE1884405DC8}"/>
               </a:ext>
             </a:extLst>
           </p:cNvPr>
@@ -1185,7 +1185,7 @@
           <a:bodyPr/>
           <a:lstStyle/>
           <a:p>
-            <a:fld id="{7FDF3934-63D4-4FE0-BFE6-954D8EE0D31F}" type="slidenum">
+            <a:fld id="{230BC296-A7E9-4E96-ABDF-697742981764}" type="slidenum">
               <a:rPr lang="zh-CN" altLang="en-US" smtClean="0"/>
               <a:t>‹#›</a:t>
             </a:fld>
@@ -1196,7 +1196,7 @@
     </p:spTree>
     <p:extLst>
       <p:ext uri="{BB962C8B-B14F-4D97-AF65-F5344CB8AC3E}">
-        <p14:creationId xmlns:p14="http://schemas.microsoft.com/office/powerpoint/2010/main" val="3903218883"/>
+        <p14:creationId xmlns:p14="http://schemas.microsoft.com/office/powerpoint/2010/main" val="1483551371"/>
       </p:ext>
     </p:extLst>
   </p:cSld>
@@ -1228,7 +1228,7 @@
           <p:cNvPr id="2" name="标题 1">
             <a:extLst>
               <a:ext uri="{FF2B5EF4-FFF2-40B4-BE49-F238E27FC236}">
-                <a16:creationId xmlns:a16="http://schemas.microsoft.com/office/drawing/2014/main" id="{F425C1FC-B60B-3B64-B3F0-F0488AB58982}"/>
+                <a16:creationId xmlns:a16="http://schemas.microsoft.com/office/drawing/2014/main" id="{D0CFDF64-BD88-7A4B-8CA0-96ACA6EE6610}"/>
               </a:ext>
             </a:extLst>
           </p:cNvPr>
@@ -1256,7 +1256,7 @@
           <p:cNvPr id="3" name="内容占位符 2">
             <a:extLst>
               <a:ext uri="{FF2B5EF4-FFF2-40B4-BE49-F238E27FC236}">
-                <a16:creationId xmlns:a16="http://schemas.microsoft.com/office/drawing/2014/main" id="{423526EF-D77C-DE4B-E0DE-08B02E9944B9}"/>
+                <a16:creationId xmlns:a16="http://schemas.microsoft.com/office/drawing/2014/main" id="{8431F393-7834-623B-4F88-ED251D56B92E}"/>
               </a:ext>
             </a:extLst>
           </p:cNvPr>
@@ -1318,7 +1318,7 @@
           <p:cNvPr id="4" name="内容占位符 3">
             <a:extLst>
               <a:ext uri="{FF2B5EF4-FFF2-40B4-BE49-F238E27FC236}">
-                <a16:creationId xmlns:a16="http://schemas.microsoft.com/office/drawing/2014/main" id="{761947F4-DB6A-00C8-585A-EF8F9D48B054}"/>
+                <a16:creationId xmlns:a16="http://schemas.microsoft.com/office/drawing/2014/main" id="{8FDDA54F-FB64-C640-C573-2E43577FF2D1}"/>
               </a:ext>
             </a:extLst>
           </p:cNvPr>
@@ -1380,7 +1380,7 @@
           <p:cNvPr id="5" name="日期占位符 4">
             <a:extLst>
               <a:ext uri="{FF2B5EF4-FFF2-40B4-BE49-F238E27FC236}">
-                <a16:creationId xmlns:a16="http://schemas.microsoft.com/office/drawing/2014/main" id="{50AF36AA-AEDC-1AD3-C9F0-555F043B2202}"/>
+                <a16:creationId xmlns:a16="http://schemas.microsoft.com/office/drawing/2014/main" id="{9A1E2875-7F3D-3EDD-3321-7E708ED306B5}"/>
               </a:ext>
             </a:extLst>
           </p:cNvPr>
@@ -1396,7 +1396,7 @@
           <a:bodyPr/>
           <a:lstStyle/>
           <a:p>
-            <a:fld id="{5D05796B-F92D-446E-AD2A-B3D1AAF44936}" type="datetimeFigureOut">
+            <a:fld id="{F4C37BBA-6BCA-4401-91C5-8C8C4B9A87DC}" type="datetimeFigureOut">
               <a:rPr lang="zh-CN" altLang="en-US" smtClean="0"/>
               <a:t>2024/3/10</a:t>
             </a:fld>
@@ -1409,7 +1409,7 @@
           <p:cNvPr id="6" name="页脚占位符 5">
             <a:extLst>
               <a:ext uri="{FF2B5EF4-FFF2-40B4-BE49-F238E27FC236}">
-                <a16:creationId xmlns:a16="http://schemas.microsoft.com/office/drawing/2014/main" id="{DE539065-3919-6D52-86BF-79BD155C469B}"/>
+                <a16:creationId xmlns:a16="http://schemas.microsoft.com/office/drawing/2014/main" id="{9E78823E-DF39-7D63-0B81-F8D13C7A5524}"/>
               </a:ext>
             </a:extLst>
           </p:cNvPr>
@@ -1434,7 +1434,7 @@
           <p:cNvPr id="7" name="灯片编号占位符 6">
             <a:extLst>
               <a:ext uri="{FF2B5EF4-FFF2-40B4-BE49-F238E27FC236}">
-                <a16:creationId xmlns:a16="http://schemas.microsoft.com/office/drawing/2014/main" id="{10CDAB2E-6A09-44C2-F372-6FCF9CCFC1B1}"/>
+                <a16:creationId xmlns:a16="http://schemas.microsoft.com/office/drawing/2014/main" id="{4CC1B74C-09BE-2A74-0270-083C4376DEE2}"/>
               </a:ext>
             </a:extLst>
           </p:cNvPr>
@@ -1450,7 +1450,7 @@
           <a:bodyPr/>
           <a:lstStyle/>
           <a:p>
-            <a:fld id="{7FDF3934-63D4-4FE0-BFE6-954D8EE0D31F}" type="slidenum">
+            <a:fld id="{230BC296-A7E9-4E96-ABDF-697742981764}" type="slidenum">
               <a:rPr lang="zh-CN" altLang="en-US" smtClean="0"/>
               <a:t>‹#›</a:t>
             </a:fld>
@@ -1461,7 +1461,7 @@
     </p:spTree>
     <p:extLst>
       <p:ext uri="{BB962C8B-B14F-4D97-AF65-F5344CB8AC3E}">
-        <p14:creationId xmlns:p14="http://schemas.microsoft.com/office/powerpoint/2010/main" val="1411501656"/>
+        <p14:creationId xmlns:p14="http://schemas.microsoft.com/office/powerpoint/2010/main" val="1757519981"/>
       </p:ext>
     </p:extLst>
   </p:cSld>
@@ -1493,7 +1493,7 @@
           <p:cNvPr id="2" name="标题 1">
             <a:extLst>
               <a:ext uri="{FF2B5EF4-FFF2-40B4-BE49-F238E27FC236}">
-                <a16:creationId xmlns:a16="http://schemas.microsoft.com/office/drawing/2014/main" id="{793EA565-D9A8-4D1D-7750-4EA52ED3F60B}"/>
+                <a16:creationId xmlns:a16="http://schemas.microsoft.com/office/drawing/2014/main" id="{5F3FA11C-56BA-B7DF-731C-1BA890E3365B}"/>
               </a:ext>
             </a:extLst>
           </p:cNvPr>
@@ -1526,7 +1526,7 @@
           <p:cNvPr id="3" name="文本占位符 2">
             <a:extLst>
               <a:ext uri="{FF2B5EF4-FFF2-40B4-BE49-F238E27FC236}">
-                <a16:creationId xmlns:a16="http://schemas.microsoft.com/office/drawing/2014/main" id="{41A0D098-BBE6-C98A-CD9C-D39466D53F7E}"/>
+                <a16:creationId xmlns:a16="http://schemas.microsoft.com/office/drawing/2014/main" id="{799D6124-74FB-E919-D69F-F001637834FE}"/>
               </a:ext>
             </a:extLst>
           </p:cNvPr>
@@ -1597,7 +1597,7 @@
           <p:cNvPr id="4" name="内容占位符 3">
             <a:extLst>
               <a:ext uri="{FF2B5EF4-FFF2-40B4-BE49-F238E27FC236}">
-                <a16:creationId xmlns:a16="http://schemas.microsoft.com/office/drawing/2014/main" id="{334AA0C9-501C-60C1-863E-5F312C0714BB}"/>
+                <a16:creationId xmlns:a16="http://schemas.microsoft.com/office/drawing/2014/main" id="{D2312144-EDD6-A0F8-C472-05E6C2705475}"/>
               </a:ext>
             </a:extLst>
           </p:cNvPr>
@@ -1659,7 +1659,7 @@
           <p:cNvPr id="5" name="文本占位符 4">
             <a:extLst>
               <a:ext uri="{FF2B5EF4-FFF2-40B4-BE49-F238E27FC236}">
-                <a16:creationId xmlns:a16="http://schemas.microsoft.com/office/drawing/2014/main" id="{57DCF0D9-B2E2-15D2-5487-3FCCF12AA2D2}"/>
+                <a16:creationId xmlns:a16="http://schemas.microsoft.com/office/drawing/2014/main" id="{E2254368-63A0-865F-FB84-D4242B84EA62}"/>
               </a:ext>
             </a:extLst>
           </p:cNvPr>
@@ -1730,7 +1730,7 @@
           <p:cNvPr id="6" name="内容占位符 5">
             <a:extLst>
               <a:ext uri="{FF2B5EF4-FFF2-40B4-BE49-F238E27FC236}">
-                <a16:creationId xmlns:a16="http://schemas.microsoft.com/office/drawing/2014/main" id="{72C16D5E-6F51-77EB-F7E5-F69D28E96B02}"/>
+                <a16:creationId xmlns:a16="http://schemas.microsoft.com/office/drawing/2014/main" id="{16CC2215-42E9-CEBA-062A-51C2154B00ED}"/>
               </a:ext>
             </a:extLst>
           </p:cNvPr>
@@ -1792,7 +1792,7 @@
           <p:cNvPr id="7" name="日期占位符 6">
             <a:extLst>
               <a:ext uri="{FF2B5EF4-FFF2-40B4-BE49-F238E27FC236}">
-                <a16:creationId xmlns:a16="http://schemas.microsoft.com/office/drawing/2014/main" id="{8F8F258F-C727-978D-38A9-4920F3AF5C48}"/>
+                <a16:creationId xmlns:a16="http://schemas.microsoft.com/office/drawing/2014/main" id="{633B3B7A-EF40-32D3-BCA6-699BD297D31D}"/>
               </a:ext>
             </a:extLst>
           </p:cNvPr>
@@ -1808,7 +1808,7 @@
           <a:bodyPr/>
           <a:lstStyle/>
           <a:p>
-            <a:fld id="{5D05796B-F92D-446E-AD2A-B3D1AAF44936}" type="datetimeFigureOut">
+            <a:fld id="{F4C37BBA-6BCA-4401-91C5-8C8C4B9A87DC}" type="datetimeFigureOut">
               <a:rPr lang="zh-CN" altLang="en-US" smtClean="0"/>
               <a:t>2024/3/10</a:t>
             </a:fld>
@@ -1821,7 +1821,7 @@
           <p:cNvPr id="8" name="页脚占位符 7">
             <a:extLst>
               <a:ext uri="{FF2B5EF4-FFF2-40B4-BE49-F238E27FC236}">
-                <a16:creationId xmlns:a16="http://schemas.microsoft.com/office/drawing/2014/main" id="{C520D2BA-9C46-B313-F2CA-82FA33E30040}"/>
+                <a16:creationId xmlns:a16="http://schemas.microsoft.com/office/drawing/2014/main" id="{B0CE5036-17E6-44E5-D1D6-545C7FEE8AFA}"/>
               </a:ext>
             </a:extLst>
           </p:cNvPr>
@@ -1846,7 +1846,7 @@
           <p:cNvPr id="9" name="灯片编号占位符 8">
             <a:extLst>
               <a:ext uri="{FF2B5EF4-FFF2-40B4-BE49-F238E27FC236}">
-                <a16:creationId xmlns:a16="http://schemas.microsoft.com/office/drawing/2014/main" id="{1852E187-9EC2-7DED-010F-A47587982086}"/>
+                <a16:creationId xmlns:a16="http://schemas.microsoft.com/office/drawing/2014/main" id="{61ABB678-FC85-2458-ACA1-B3991DF06C40}"/>
               </a:ext>
             </a:extLst>
           </p:cNvPr>
@@ -1862,7 +1862,7 @@
           <a:bodyPr/>
           <a:lstStyle/>
           <a:p>
-            <a:fld id="{7FDF3934-63D4-4FE0-BFE6-954D8EE0D31F}" type="slidenum">
+            <a:fld id="{230BC296-A7E9-4E96-ABDF-697742981764}" type="slidenum">
               <a:rPr lang="zh-CN" altLang="en-US" smtClean="0"/>
               <a:t>‹#›</a:t>
             </a:fld>
@@ -1873,7 +1873,7 @@
     </p:spTree>
     <p:extLst>
       <p:ext uri="{BB962C8B-B14F-4D97-AF65-F5344CB8AC3E}">
-        <p14:creationId xmlns:p14="http://schemas.microsoft.com/office/powerpoint/2010/main" val="573923706"/>
+        <p14:creationId xmlns:p14="http://schemas.microsoft.com/office/powerpoint/2010/main" val="1372445469"/>
       </p:ext>
     </p:extLst>
   </p:cSld>
@@ -1905,7 +1905,7 @@
           <p:cNvPr id="2" name="标题 1">
             <a:extLst>
               <a:ext uri="{FF2B5EF4-FFF2-40B4-BE49-F238E27FC236}">
-                <a16:creationId xmlns:a16="http://schemas.microsoft.com/office/drawing/2014/main" id="{2C6EA6CE-5B5E-F62D-A6F3-1D954F19072A}"/>
+                <a16:creationId xmlns:a16="http://schemas.microsoft.com/office/drawing/2014/main" id="{42A9B9D2-CA70-67ED-690B-385EB5125980}"/>
               </a:ext>
             </a:extLst>
           </p:cNvPr>
@@ -1933,7 +1933,7 @@
           <p:cNvPr id="3" name="日期占位符 2">
             <a:extLst>
               <a:ext uri="{FF2B5EF4-FFF2-40B4-BE49-F238E27FC236}">
-                <a16:creationId xmlns:a16="http://schemas.microsoft.com/office/drawing/2014/main" id="{CE0DCBFE-1746-0288-6491-FA40F3712CDF}"/>
+                <a16:creationId xmlns:a16="http://schemas.microsoft.com/office/drawing/2014/main" id="{E74E0DAC-8205-39C7-257D-03D7A598428A}"/>
               </a:ext>
             </a:extLst>
           </p:cNvPr>
@@ -1949,7 +1949,7 @@
           <a:bodyPr/>
           <a:lstStyle/>
           <a:p>
-            <a:fld id="{5D05796B-F92D-446E-AD2A-B3D1AAF44936}" type="datetimeFigureOut">
+            <a:fld id="{F4C37BBA-6BCA-4401-91C5-8C8C4B9A87DC}" type="datetimeFigureOut">
               <a:rPr lang="zh-CN" altLang="en-US" smtClean="0"/>
               <a:t>2024/3/10</a:t>
             </a:fld>
@@ -1962,7 +1962,7 @@
           <p:cNvPr id="4" name="页脚占位符 3">
             <a:extLst>
               <a:ext uri="{FF2B5EF4-FFF2-40B4-BE49-F238E27FC236}">
-                <a16:creationId xmlns:a16="http://schemas.microsoft.com/office/drawing/2014/main" id="{60902CCA-BF21-36F0-2BC3-DB52E8FEC3DB}"/>
+                <a16:creationId xmlns:a16="http://schemas.microsoft.com/office/drawing/2014/main" id="{FDCC95DF-F1C7-1813-E940-2160D11757AA}"/>
               </a:ext>
             </a:extLst>
           </p:cNvPr>
@@ -1987,7 +1987,7 @@
           <p:cNvPr id="5" name="灯片编号占位符 4">
             <a:extLst>
               <a:ext uri="{FF2B5EF4-FFF2-40B4-BE49-F238E27FC236}">
-                <a16:creationId xmlns:a16="http://schemas.microsoft.com/office/drawing/2014/main" id="{81724445-CBC2-E412-310A-750CD032CA0A}"/>
+                <a16:creationId xmlns:a16="http://schemas.microsoft.com/office/drawing/2014/main" id="{820F29E5-85BC-E320-CB74-EE5570A47FE4}"/>
               </a:ext>
             </a:extLst>
           </p:cNvPr>
@@ -2003,7 +2003,7 @@
           <a:bodyPr/>
           <a:lstStyle/>
           <a:p>
-            <a:fld id="{7FDF3934-63D4-4FE0-BFE6-954D8EE0D31F}" type="slidenum">
+            <a:fld id="{230BC296-A7E9-4E96-ABDF-697742981764}" type="slidenum">
               <a:rPr lang="zh-CN" altLang="en-US" smtClean="0"/>
               <a:t>‹#›</a:t>
             </a:fld>
@@ -2014,7 +2014,7 @@
     </p:spTree>
     <p:extLst>
       <p:ext uri="{BB962C8B-B14F-4D97-AF65-F5344CB8AC3E}">
-        <p14:creationId xmlns:p14="http://schemas.microsoft.com/office/powerpoint/2010/main" val="1536609635"/>
+        <p14:creationId xmlns:p14="http://schemas.microsoft.com/office/powerpoint/2010/main" val="1460136263"/>
       </p:ext>
     </p:extLst>
   </p:cSld>
@@ -2046,7 +2046,7 @@
           <p:cNvPr id="2" name="日期占位符 1">
             <a:extLst>
               <a:ext uri="{FF2B5EF4-FFF2-40B4-BE49-F238E27FC236}">
-                <a16:creationId xmlns:a16="http://schemas.microsoft.com/office/drawing/2014/main" id="{C05344A7-552F-08CA-5FFB-B452FB265A74}"/>
+                <a16:creationId xmlns:a16="http://schemas.microsoft.com/office/drawing/2014/main" id="{C8A496F3-AD99-3DA5-DFE2-573EEB7011C1}"/>
               </a:ext>
             </a:extLst>
           </p:cNvPr>
@@ -2062,7 +2062,7 @@
           <a:bodyPr/>
           <a:lstStyle/>
           <a:p>
-            <a:fld id="{5D05796B-F92D-446E-AD2A-B3D1AAF44936}" type="datetimeFigureOut">
+            <a:fld id="{F4C37BBA-6BCA-4401-91C5-8C8C4B9A87DC}" type="datetimeFigureOut">
               <a:rPr lang="zh-CN" altLang="en-US" smtClean="0"/>
               <a:t>2024/3/10</a:t>
             </a:fld>
@@ -2075,7 +2075,7 @@
           <p:cNvPr id="3" name="页脚占位符 2">
             <a:extLst>
               <a:ext uri="{FF2B5EF4-FFF2-40B4-BE49-F238E27FC236}">
-                <a16:creationId xmlns:a16="http://schemas.microsoft.com/office/drawing/2014/main" id="{D7A31B86-963B-F5DE-0986-3528DCCD3D12}"/>
+                <a16:creationId xmlns:a16="http://schemas.microsoft.com/office/drawing/2014/main" id="{4D313138-7728-CC98-0C78-9D348D2B9778}"/>
               </a:ext>
             </a:extLst>
           </p:cNvPr>
@@ -2100,7 +2100,7 @@
           <p:cNvPr id="4" name="灯片编号占位符 3">
             <a:extLst>
               <a:ext uri="{FF2B5EF4-FFF2-40B4-BE49-F238E27FC236}">
-                <a16:creationId xmlns:a16="http://schemas.microsoft.com/office/drawing/2014/main" id="{665900A9-5465-5EC9-A9EC-B0B5570114CE}"/>
+                <a16:creationId xmlns:a16="http://schemas.microsoft.com/office/drawing/2014/main" id="{56E6201C-99DC-753B-798B-2C2E7F9675F4}"/>
               </a:ext>
             </a:extLst>
           </p:cNvPr>
@@ -2116,7 +2116,7 @@
           <a:bodyPr/>
           <a:lstStyle/>
           <a:p>
-            <a:fld id="{7FDF3934-63D4-4FE0-BFE6-954D8EE0D31F}" type="slidenum">
+            <a:fld id="{230BC296-A7E9-4E96-ABDF-697742981764}" type="slidenum">
               <a:rPr lang="zh-CN" altLang="en-US" smtClean="0"/>
               <a:t>‹#›</a:t>
             </a:fld>
@@ -2127,7 +2127,7 @@
     </p:spTree>
     <p:extLst>
       <p:ext uri="{BB962C8B-B14F-4D97-AF65-F5344CB8AC3E}">
-        <p14:creationId xmlns:p14="http://schemas.microsoft.com/office/powerpoint/2010/main" val="742469440"/>
+        <p14:creationId xmlns:p14="http://schemas.microsoft.com/office/powerpoint/2010/main" val="1730550046"/>
       </p:ext>
     </p:extLst>
   </p:cSld>
@@ -2159,7 +2159,7 @@
           <p:cNvPr id="2" name="标题 1">
             <a:extLst>
               <a:ext uri="{FF2B5EF4-FFF2-40B4-BE49-F238E27FC236}">
-                <a16:creationId xmlns:a16="http://schemas.microsoft.com/office/drawing/2014/main" id="{2657E7B5-E186-3354-4266-157E5E7499CA}"/>
+                <a16:creationId xmlns:a16="http://schemas.microsoft.com/office/drawing/2014/main" id="{742D8A70-0F64-B7DA-062A-82E1E0C2445F}"/>
               </a:ext>
             </a:extLst>
           </p:cNvPr>
@@ -2196,7 +2196,7 @@
           <p:cNvPr id="3" name="内容占位符 2">
             <a:extLst>
               <a:ext uri="{FF2B5EF4-FFF2-40B4-BE49-F238E27FC236}">
-                <a16:creationId xmlns:a16="http://schemas.microsoft.com/office/drawing/2014/main" id="{0423FD9F-A74C-ECE0-0766-E67F609E3360}"/>
+                <a16:creationId xmlns:a16="http://schemas.microsoft.com/office/drawing/2014/main" id="{43FA023D-C086-1FD1-FF6C-CD20DFAD788F}"/>
               </a:ext>
             </a:extLst>
           </p:cNvPr>
@@ -2286,7 +2286,7 @@
           <p:cNvPr id="4" name="文本占位符 3">
             <a:extLst>
               <a:ext uri="{FF2B5EF4-FFF2-40B4-BE49-F238E27FC236}">
-                <a16:creationId xmlns:a16="http://schemas.microsoft.com/office/drawing/2014/main" id="{E0B07D40-B2BB-2955-616E-3EB66176E420}"/>
+                <a16:creationId xmlns:a16="http://schemas.microsoft.com/office/drawing/2014/main" id="{DCDA9FD8-B5B1-DAF4-2824-8F55D3E80EFB}"/>
               </a:ext>
             </a:extLst>
           </p:cNvPr>
@@ -2357,7 +2357,7 @@
           <p:cNvPr id="5" name="日期占位符 4">
             <a:extLst>
               <a:ext uri="{FF2B5EF4-FFF2-40B4-BE49-F238E27FC236}">
-                <a16:creationId xmlns:a16="http://schemas.microsoft.com/office/drawing/2014/main" id="{A557FB8B-0536-6DCC-FAFB-C9EAFB85CB22}"/>
+                <a16:creationId xmlns:a16="http://schemas.microsoft.com/office/drawing/2014/main" id="{12CEF43B-DF31-D6F5-D36D-AAE0B8243281}"/>
               </a:ext>
             </a:extLst>
           </p:cNvPr>
@@ -2373,7 +2373,7 @@
           <a:bodyPr/>
           <a:lstStyle/>
           <a:p>
-            <a:fld id="{5D05796B-F92D-446E-AD2A-B3D1AAF44936}" type="datetimeFigureOut">
+            <a:fld id="{F4C37BBA-6BCA-4401-91C5-8C8C4B9A87DC}" type="datetimeFigureOut">
               <a:rPr lang="zh-CN" altLang="en-US" smtClean="0"/>
               <a:t>2024/3/10</a:t>
             </a:fld>
@@ -2386,7 +2386,7 @@
           <p:cNvPr id="6" name="页脚占位符 5">
             <a:extLst>
               <a:ext uri="{FF2B5EF4-FFF2-40B4-BE49-F238E27FC236}">
-                <a16:creationId xmlns:a16="http://schemas.microsoft.com/office/drawing/2014/main" id="{B1DE39E2-B49C-6B52-7CC3-1B57E1BDF061}"/>
+                <a16:creationId xmlns:a16="http://schemas.microsoft.com/office/drawing/2014/main" id="{1C814D72-2794-FFEE-31F7-587C167174BC}"/>
               </a:ext>
             </a:extLst>
           </p:cNvPr>
@@ -2411,7 +2411,7 @@
           <p:cNvPr id="7" name="灯片编号占位符 6">
             <a:extLst>
               <a:ext uri="{FF2B5EF4-FFF2-40B4-BE49-F238E27FC236}">
-                <a16:creationId xmlns:a16="http://schemas.microsoft.com/office/drawing/2014/main" id="{481D50D1-374F-C7EF-B9E8-037DA9A0742C}"/>
+                <a16:creationId xmlns:a16="http://schemas.microsoft.com/office/drawing/2014/main" id="{B2905715-719C-B504-1BBC-B9D6976666F0}"/>
               </a:ext>
             </a:extLst>
           </p:cNvPr>
@@ -2427,7 +2427,7 @@
           <a:bodyPr/>
           <a:lstStyle/>
           <a:p>
-            <a:fld id="{7FDF3934-63D4-4FE0-BFE6-954D8EE0D31F}" type="slidenum">
+            <a:fld id="{230BC296-A7E9-4E96-ABDF-697742981764}" type="slidenum">
               <a:rPr lang="zh-CN" altLang="en-US" smtClean="0"/>
               <a:t>‹#›</a:t>
             </a:fld>
@@ -2438,7 +2438,7 @@
     </p:spTree>
     <p:extLst>
       <p:ext uri="{BB962C8B-B14F-4D97-AF65-F5344CB8AC3E}">
-        <p14:creationId xmlns:p14="http://schemas.microsoft.com/office/powerpoint/2010/main" val="2200754338"/>
+        <p14:creationId xmlns:p14="http://schemas.microsoft.com/office/powerpoint/2010/main" val="482258571"/>
       </p:ext>
     </p:extLst>
   </p:cSld>
@@ -2470,7 +2470,7 @@
           <p:cNvPr id="2" name="标题 1">
             <a:extLst>
               <a:ext uri="{FF2B5EF4-FFF2-40B4-BE49-F238E27FC236}">
-                <a16:creationId xmlns:a16="http://schemas.microsoft.com/office/drawing/2014/main" id="{63FEFA14-0143-AA5C-C1E6-AE00262C82B4}"/>
+                <a16:creationId xmlns:a16="http://schemas.microsoft.com/office/drawing/2014/main" id="{1AC8144E-CE93-C973-EF5D-19595A01B60C}"/>
               </a:ext>
             </a:extLst>
           </p:cNvPr>
@@ -2507,7 +2507,7 @@
           <p:cNvPr id="3" name="图片占位符 2">
             <a:extLst>
               <a:ext uri="{FF2B5EF4-FFF2-40B4-BE49-F238E27FC236}">
-                <a16:creationId xmlns:a16="http://schemas.microsoft.com/office/drawing/2014/main" id="{EAFBB98C-0575-CDD8-5959-B6DFD519E97F}"/>
+                <a16:creationId xmlns:a16="http://schemas.microsoft.com/office/drawing/2014/main" id="{612E9535-EA34-BA5A-002E-DEF466175E96}"/>
               </a:ext>
             </a:extLst>
           </p:cNvPr>
@@ -2574,7 +2574,7 @@
           <p:cNvPr id="4" name="文本占位符 3">
             <a:extLst>
               <a:ext uri="{FF2B5EF4-FFF2-40B4-BE49-F238E27FC236}">
-                <a16:creationId xmlns:a16="http://schemas.microsoft.com/office/drawing/2014/main" id="{A607B3AE-9D7F-9E41-985E-34C5A3D5F674}"/>
+                <a16:creationId xmlns:a16="http://schemas.microsoft.com/office/drawing/2014/main" id="{89FDE599-B9AF-65E7-E099-5D1941263D8E}"/>
               </a:ext>
             </a:extLst>
           </p:cNvPr>
@@ -2645,7 +2645,7 @@
           <p:cNvPr id="5" name="日期占位符 4">
             <a:extLst>
               <a:ext uri="{FF2B5EF4-FFF2-40B4-BE49-F238E27FC236}">
-                <a16:creationId xmlns:a16="http://schemas.microsoft.com/office/drawing/2014/main" id="{F4EE9D6C-3A5C-5CC9-3ED7-728F8A260684}"/>
+                <a16:creationId xmlns:a16="http://schemas.microsoft.com/office/drawing/2014/main" id="{1584CC59-1ACA-9006-B31E-D1CC32184697}"/>
               </a:ext>
             </a:extLst>
           </p:cNvPr>
@@ -2661,7 +2661,7 @@
           <a:bodyPr/>
           <a:lstStyle/>
           <a:p>
-            <a:fld id="{5D05796B-F92D-446E-AD2A-B3D1AAF44936}" type="datetimeFigureOut">
+            <a:fld id="{F4C37BBA-6BCA-4401-91C5-8C8C4B9A87DC}" type="datetimeFigureOut">
               <a:rPr lang="zh-CN" altLang="en-US" smtClean="0"/>
               <a:t>2024/3/10</a:t>
             </a:fld>
@@ -2674,7 +2674,7 @@
           <p:cNvPr id="6" name="页脚占位符 5">
             <a:extLst>
               <a:ext uri="{FF2B5EF4-FFF2-40B4-BE49-F238E27FC236}">
-                <a16:creationId xmlns:a16="http://schemas.microsoft.com/office/drawing/2014/main" id="{76F00E59-3EEA-8948-3A42-37EF5DE0EC2F}"/>
+                <a16:creationId xmlns:a16="http://schemas.microsoft.com/office/drawing/2014/main" id="{7B18C4EA-5736-736F-CAC9-B3BA3E1F6352}"/>
               </a:ext>
             </a:extLst>
           </p:cNvPr>
@@ -2699,7 +2699,7 @@
           <p:cNvPr id="7" name="灯片编号占位符 6">
             <a:extLst>
               <a:ext uri="{FF2B5EF4-FFF2-40B4-BE49-F238E27FC236}">
-                <a16:creationId xmlns:a16="http://schemas.microsoft.com/office/drawing/2014/main" id="{9171BEF8-D4BB-135F-336A-E31AA620BD5A}"/>
+                <a16:creationId xmlns:a16="http://schemas.microsoft.com/office/drawing/2014/main" id="{2136EDDE-A26F-E922-88EE-07FD9384F191}"/>
               </a:ext>
             </a:extLst>
           </p:cNvPr>
@@ -2715,7 +2715,7 @@
           <a:bodyPr/>
           <a:lstStyle/>
           <a:p>
-            <a:fld id="{7FDF3934-63D4-4FE0-BFE6-954D8EE0D31F}" type="slidenum">
+            <a:fld id="{230BC296-A7E9-4E96-ABDF-697742981764}" type="slidenum">
               <a:rPr lang="zh-CN" altLang="en-US" smtClean="0"/>
               <a:t>‹#›</a:t>
             </a:fld>
@@ -2726,7 +2726,7 @@
     </p:spTree>
     <p:extLst>
       <p:ext uri="{BB962C8B-B14F-4D97-AF65-F5344CB8AC3E}">
-        <p14:creationId xmlns:p14="http://schemas.microsoft.com/office/powerpoint/2010/main" val="3522531403"/>
+        <p14:creationId xmlns:p14="http://schemas.microsoft.com/office/powerpoint/2010/main" val="52379035"/>
       </p:ext>
     </p:extLst>
   </p:cSld>
@@ -2763,7 +2763,7 @@
           <p:cNvPr id="2" name="标题占位符 1">
             <a:extLst>
               <a:ext uri="{FF2B5EF4-FFF2-40B4-BE49-F238E27FC236}">
-                <a16:creationId xmlns:a16="http://schemas.microsoft.com/office/drawing/2014/main" id="{3216E546-28D1-A508-468F-8A6E5982B058}"/>
+                <a16:creationId xmlns:a16="http://schemas.microsoft.com/office/drawing/2014/main" id="{B3C5F347-F727-1288-7C7B-E7AA81D07675}"/>
               </a:ext>
             </a:extLst>
           </p:cNvPr>
@@ -2801,7 +2801,7 @@
           <p:cNvPr id="3" name="文本占位符 2">
             <a:extLst>
               <a:ext uri="{FF2B5EF4-FFF2-40B4-BE49-F238E27FC236}">
-                <a16:creationId xmlns:a16="http://schemas.microsoft.com/office/drawing/2014/main" id="{963391A0-F06D-B4E6-E0EC-CE9CAD018436}"/>
+                <a16:creationId xmlns:a16="http://schemas.microsoft.com/office/drawing/2014/main" id="{71D61EA8-DBB7-61D2-4323-A85135C4E0A5}"/>
               </a:ext>
             </a:extLst>
           </p:cNvPr>
@@ -2868,7 +2868,7 @@
           <p:cNvPr id="4" name="日期占位符 3">
             <a:extLst>
               <a:ext uri="{FF2B5EF4-FFF2-40B4-BE49-F238E27FC236}">
-                <a16:creationId xmlns:a16="http://schemas.microsoft.com/office/drawing/2014/main" id="{E9C99883-0FE7-C59B-84F5-FC5A3D81E7C5}"/>
+                <a16:creationId xmlns:a16="http://schemas.microsoft.com/office/drawing/2014/main" id="{7AC7ED58-E6D0-5CF5-316C-94FE897358CA}"/>
               </a:ext>
             </a:extLst>
           </p:cNvPr>
@@ -2902,7 +2902,7 @@
             </a:lvl1pPr>
           </a:lstStyle>
           <a:p>
-            <a:fld id="{5D05796B-F92D-446E-AD2A-B3D1AAF44936}" type="datetimeFigureOut">
+            <a:fld id="{F4C37BBA-6BCA-4401-91C5-8C8C4B9A87DC}" type="datetimeFigureOut">
               <a:rPr lang="zh-CN" altLang="en-US" smtClean="0"/>
               <a:t>2024/3/10</a:t>
             </a:fld>
@@ -2915,7 +2915,7 @@
           <p:cNvPr id="5" name="页脚占位符 4">
             <a:extLst>
               <a:ext uri="{FF2B5EF4-FFF2-40B4-BE49-F238E27FC236}">
-                <a16:creationId xmlns:a16="http://schemas.microsoft.com/office/drawing/2014/main" id="{1FB3B9C6-F01F-8E91-EC82-5A8BB7492092}"/>
+                <a16:creationId xmlns:a16="http://schemas.microsoft.com/office/drawing/2014/main" id="{13B999CD-3D38-5BA9-616D-293168DBC56A}"/>
               </a:ext>
             </a:extLst>
           </p:cNvPr>
@@ -2958,7 +2958,7 @@
           <p:cNvPr id="6" name="灯片编号占位符 5">
             <a:extLst>
               <a:ext uri="{FF2B5EF4-FFF2-40B4-BE49-F238E27FC236}">
-                <a16:creationId xmlns:a16="http://schemas.microsoft.com/office/drawing/2014/main" id="{B42ED4C0-8B98-26E0-8695-34F7FFC0949C}"/>
+                <a16:creationId xmlns:a16="http://schemas.microsoft.com/office/drawing/2014/main" id="{B854E60D-2A23-ABBE-F565-B50A08520C92}"/>
               </a:ext>
             </a:extLst>
           </p:cNvPr>
@@ -2992,7 +2992,7 @@
             </a:lvl1pPr>
           </a:lstStyle>
           <a:p>
-            <a:fld id="{7FDF3934-63D4-4FE0-BFE6-954D8EE0D31F}" type="slidenum">
+            <a:fld id="{230BC296-A7E9-4E96-ABDF-697742981764}" type="slidenum">
               <a:rPr lang="zh-CN" altLang="en-US" smtClean="0"/>
               <a:t>‹#›</a:t>
             </a:fld>
@@ -3003,7 +3003,7 @@
     </p:spTree>
     <p:extLst>
       <p:ext uri="{BB962C8B-B14F-4D97-AF65-F5344CB8AC3E}">
-        <p14:creationId xmlns:p14="http://schemas.microsoft.com/office/powerpoint/2010/main" val="300692342"/>
+        <p14:creationId xmlns:p14="http://schemas.microsoft.com/office/powerpoint/2010/main" val="1897155502"/>
       </p:ext>
     </p:extLst>
   </p:cSld>
@@ -3323,7 +3323,7 @@
       </p:grpSpPr>
       <p:pic>
         <p:nvPicPr>
-          <p:cNvPr id="1187842" name="Picture 2" descr="1159"/>
+          <p:cNvPr id="1188866" name="Picture 2" descr="1160"/>
           <p:cNvPicPr>
             <a:picLocks noChangeAspect="1" noChangeArrowheads="1"/>
           </p:cNvPicPr>
@@ -3344,8 +3344,8 @@
         </p:blipFill>
         <p:spPr bwMode="auto">
           <a:xfrm>
-            <a:off x="1524000" y="1"/>
-            <a:ext cx="9124950" cy="6843713"/>
+            <a:off x="1524000" y="0"/>
+            <a:ext cx="9144000" cy="6858000"/>
           </a:xfrm>
           <a:prstGeom prst="rect">
             <a:avLst/>
@@ -3375,158 +3375,11 @@
           </a:extLst>
         </p:spPr>
       </p:pic>
-      <p:pic>
-        <p:nvPicPr>
-          <p:cNvPr id="1188867" name="Picture 3" descr="1159-2"/>
-          <p:cNvPicPr>
-            <a:picLocks noChangeAspect="1" noChangeArrowheads="1"/>
-          </p:cNvPicPr>
-          <p:nvPr/>
-        </p:nvPicPr>
-        <p:blipFill>
-          <a:blip r:embed="rId3">
-            <a:extLst>
-              <a:ext uri="{28A0092B-C50C-407E-A947-70E740481C1C}">
-                <a14:useLocalDpi xmlns:a14="http://schemas.microsoft.com/office/drawing/2010/main" val="0"/>
-              </a:ext>
-            </a:extLst>
-          </a:blip>
-          <a:srcRect/>
-          <a:stretch>
-            <a:fillRect/>
-          </a:stretch>
-        </p:blipFill>
-        <p:spPr bwMode="auto">
-          <a:xfrm>
-            <a:off x="1524000" y="0"/>
-            <a:ext cx="9124950" cy="6845300"/>
-          </a:xfrm>
-          <a:prstGeom prst="rect">
-            <a:avLst/>
-          </a:prstGeom>
-          <a:noFill/>
-          <a:ln>
-            <a:noFill/>
-          </a:ln>
-          <a:effectLst/>
-          <a:extLst>
-            <a:ext uri="{909E8E84-426E-40DD-AFC4-6F175D3DCCD1}">
-              <a14:hiddenFill xmlns:a14="http://schemas.microsoft.com/office/drawing/2010/main">
-                <a:solidFill>
-                  <a:srgbClr val="FFFFFF"/>
-                </a:solidFill>
-              </a14:hiddenFill>
-            </a:ext>
-            <a:ext uri="{91240B29-F687-4F45-9708-019B960494DF}">
-              <a14:hiddenLine xmlns:a14="http://schemas.microsoft.com/office/drawing/2010/main" w="9525">
-                <a:solidFill>
-                  <a:srgbClr val="000000"/>
-                </a:solidFill>
-                <a:miter lim="800000"/>
-                <a:headEnd/>
-                <a:tailEnd/>
-              </a14:hiddenLine>
-            </a:ext>
-            <a:ext uri="{AF507438-7753-43E0-B8FC-AC1667EBCBE1}">
-              <a14:hiddenEffects xmlns:a14="http://schemas.microsoft.com/office/drawing/2010/main">
-                <a:effectLst>
-                  <a:outerShdw dist="35921" dir="2700000" algn="ctr" rotWithShape="0">
-                    <a:srgbClr val="808080"/>
-                  </a:outerShdw>
-                </a:effectLst>
-              </a14:hiddenEffects>
-            </a:ext>
-          </a:extLst>
-        </p:spPr>
-      </p:pic>
     </p:spTree>
   </p:cSld>
   <p:clrMapOvr>
     <a:masterClrMapping/>
   </p:clrMapOvr>
-  <p:timing>
-    <p:tnLst>
-      <p:par>
-        <p:cTn id="1" dur="indefinite" restart="never" nodeType="tmRoot">
-          <p:childTnLst>
-            <p:seq concurrent="1" nextAc="seek">
-              <p:cTn id="2" dur="indefinite" nodeType="mainSeq">
-                <p:childTnLst>
-                  <p:par>
-                    <p:cTn id="3" fill="hold" nodeType="clickPar">
-                      <p:stCondLst>
-                        <p:cond delay="indefinite"/>
-                      </p:stCondLst>
-                      <p:childTnLst>
-                        <p:par>
-                          <p:cTn id="4" fill="hold" nodeType="withGroup">
-                            <p:stCondLst>
-                              <p:cond delay="0"/>
-                            </p:stCondLst>
-                            <p:childTnLst>
-                              <p:par>
-                                <p:cTn id="5" presetID="10" presetClass="entr" presetSubtype="0" fill="hold" nodeType="clickEffect">
-                                  <p:stCondLst>
-                                    <p:cond delay="0"/>
-                                  </p:stCondLst>
-                                  <p:childTnLst>
-                                    <p:set>
-                                      <p:cBhvr>
-                                        <p:cTn id="6" dur="1" fill="hold">
-                                          <p:stCondLst>
-                                            <p:cond delay="0"/>
-                                          </p:stCondLst>
-                                        </p:cTn>
-                                        <p:tgtEl>
-                                          <p:spTgt spid="1188867"/>
-                                        </p:tgtEl>
-                                        <p:attrNameLst>
-                                          <p:attrName>style.visibility</p:attrName>
-                                        </p:attrNameLst>
-                                      </p:cBhvr>
-                                      <p:to>
-                                        <p:strVal val="visible"/>
-                                      </p:to>
-                                    </p:set>
-                                    <p:animEffect transition="in" filter="fade">
-                                      <p:cBhvr>
-                                        <p:cTn id="7" dur="500"/>
-                                        <p:tgtEl>
-                                          <p:spTgt spid="1188867"/>
-                                        </p:tgtEl>
-                                      </p:cBhvr>
-                                    </p:animEffect>
-                                  </p:childTnLst>
-                                </p:cTn>
-                              </p:par>
-                            </p:childTnLst>
-                          </p:cTn>
-                        </p:par>
-                      </p:childTnLst>
-                    </p:cTn>
-                  </p:par>
-                </p:childTnLst>
-              </p:cTn>
-              <p:prevCondLst>
-                <p:cond evt="onPrev" delay="0">
-                  <p:tgtEl>
-                    <p:sldTgt/>
-                  </p:tgtEl>
-                </p:cond>
-              </p:prevCondLst>
-              <p:nextCondLst>
-                <p:cond evt="onNext" delay="0">
-                  <p:tgtEl>
-                    <p:sldTgt/>
-                  </p:tgtEl>
-                </p:cond>
-              </p:nextCondLst>
-            </p:seq>
-          </p:childTnLst>
-        </p:cTn>
-      </p:par>
-    </p:tnLst>
-  </p:timing>
 </p:sld>
 </file>
 
